--- a/Image.pptx
+++ b/Image.pptx
@@ -259,7 +259,7 @@
           <a:p>
             <a:fld id="{D9D30A0B-28F6-4690-9E50-BAC5D956EF00}" type="datetimeFigureOut">
               <a:rPr kumimoji="1" lang="ja-JP" altLang="en-US" smtClean="0"/>
-              <a:t>2024/7/19</a:t>
+              <a:t>2024/7/24</a:t>
             </a:fld>
             <a:endParaRPr kumimoji="1" lang="ja-JP" altLang="en-US"/>
           </a:p>
@@ -489,7 +489,7 @@
           <a:p>
             <a:fld id="{D9D30A0B-28F6-4690-9E50-BAC5D956EF00}" type="datetimeFigureOut">
               <a:rPr kumimoji="1" lang="ja-JP" altLang="en-US" smtClean="0"/>
-              <a:t>2024/7/19</a:t>
+              <a:t>2024/7/24</a:t>
             </a:fld>
             <a:endParaRPr kumimoji="1" lang="ja-JP" altLang="en-US"/>
           </a:p>
@@ -729,7 +729,7 @@
           <a:p>
             <a:fld id="{D9D30A0B-28F6-4690-9E50-BAC5D956EF00}" type="datetimeFigureOut">
               <a:rPr kumimoji="1" lang="ja-JP" altLang="en-US" smtClean="0"/>
-              <a:t>2024/7/19</a:t>
+              <a:t>2024/7/24</a:t>
             </a:fld>
             <a:endParaRPr kumimoji="1" lang="ja-JP" altLang="en-US"/>
           </a:p>
@@ -959,7 +959,7 @@
           <a:p>
             <a:fld id="{D9D30A0B-28F6-4690-9E50-BAC5D956EF00}" type="datetimeFigureOut">
               <a:rPr kumimoji="1" lang="ja-JP" altLang="en-US" smtClean="0"/>
-              <a:t>2024/7/19</a:t>
+              <a:t>2024/7/24</a:t>
             </a:fld>
             <a:endParaRPr kumimoji="1" lang="ja-JP" altLang="en-US"/>
           </a:p>
@@ -1234,7 +1234,7 @@
           <a:p>
             <a:fld id="{D9D30A0B-28F6-4690-9E50-BAC5D956EF00}" type="datetimeFigureOut">
               <a:rPr kumimoji="1" lang="ja-JP" altLang="en-US" smtClean="0"/>
-              <a:t>2024/7/19</a:t>
+              <a:t>2024/7/24</a:t>
             </a:fld>
             <a:endParaRPr kumimoji="1" lang="ja-JP" altLang="en-US"/>
           </a:p>
@@ -1563,7 +1563,7 @@
           <a:p>
             <a:fld id="{D9D30A0B-28F6-4690-9E50-BAC5D956EF00}" type="datetimeFigureOut">
               <a:rPr kumimoji="1" lang="ja-JP" altLang="en-US" smtClean="0"/>
-              <a:t>2024/7/19</a:t>
+              <a:t>2024/7/24</a:t>
             </a:fld>
             <a:endParaRPr kumimoji="1" lang="ja-JP" altLang="en-US"/>
           </a:p>
@@ -2039,7 +2039,7 @@
           <a:p>
             <a:fld id="{D9D30A0B-28F6-4690-9E50-BAC5D956EF00}" type="datetimeFigureOut">
               <a:rPr kumimoji="1" lang="ja-JP" altLang="en-US" smtClean="0"/>
-              <a:t>2024/7/19</a:t>
+              <a:t>2024/7/24</a:t>
             </a:fld>
             <a:endParaRPr kumimoji="1" lang="ja-JP" altLang="en-US"/>
           </a:p>
@@ -2180,7 +2180,7 @@
           <a:p>
             <a:fld id="{D9D30A0B-28F6-4690-9E50-BAC5D956EF00}" type="datetimeFigureOut">
               <a:rPr kumimoji="1" lang="ja-JP" altLang="en-US" smtClean="0"/>
-              <a:t>2024/7/19</a:t>
+              <a:t>2024/7/24</a:t>
             </a:fld>
             <a:endParaRPr kumimoji="1" lang="ja-JP" altLang="en-US"/>
           </a:p>
@@ -2293,7 +2293,7 @@
           <a:p>
             <a:fld id="{D9D30A0B-28F6-4690-9E50-BAC5D956EF00}" type="datetimeFigureOut">
               <a:rPr kumimoji="1" lang="ja-JP" altLang="en-US" smtClean="0"/>
-              <a:t>2024/7/19</a:t>
+              <a:t>2024/7/24</a:t>
             </a:fld>
             <a:endParaRPr kumimoji="1" lang="ja-JP" altLang="en-US"/>
           </a:p>
@@ -2636,7 +2636,7 @@
           <a:p>
             <a:fld id="{D9D30A0B-28F6-4690-9E50-BAC5D956EF00}" type="datetimeFigureOut">
               <a:rPr kumimoji="1" lang="ja-JP" altLang="en-US" smtClean="0"/>
-              <a:t>2024/7/19</a:t>
+              <a:t>2024/7/24</a:t>
             </a:fld>
             <a:endParaRPr kumimoji="1" lang="ja-JP" altLang="en-US"/>
           </a:p>
@@ -2924,7 +2924,7 @@
           <a:p>
             <a:fld id="{D9D30A0B-28F6-4690-9E50-BAC5D956EF00}" type="datetimeFigureOut">
               <a:rPr kumimoji="1" lang="ja-JP" altLang="en-US" smtClean="0"/>
-              <a:t>2024/7/19</a:t>
+              <a:t>2024/7/24</a:t>
             </a:fld>
             <a:endParaRPr kumimoji="1" lang="ja-JP" altLang="en-US"/>
           </a:p>
@@ -3197,7 +3197,7 @@
           <a:p>
             <a:fld id="{D9D30A0B-28F6-4690-9E50-BAC5D956EF00}" type="datetimeFigureOut">
               <a:rPr kumimoji="1" lang="ja-JP" altLang="en-US" smtClean="0"/>
-              <a:t>2024/7/19</a:t>
+              <a:t>2024/7/24</a:t>
             </a:fld>
             <a:endParaRPr kumimoji="1" lang="ja-JP" altLang="en-US"/>
           </a:p>
@@ -3914,7 +3914,7 @@
         </p:blipFill>
         <p:spPr>
           <a:xfrm>
-            <a:off x="1155524" y="4192209"/>
+            <a:off x="889580" y="3681713"/>
             <a:ext cx="1400175" cy="1562100"/>
           </a:xfrm>
           <a:prstGeom prst="rect">
@@ -3966,7 +3966,7 @@
         </p:nvSpPr>
         <p:spPr>
           <a:xfrm>
-            <a:off x="1423441" y="5848362"/>
+            <a:off x="1157497" y="5337866"/>
             <a:ext cx="864339" cy="369332"/>
           </a:xfrm>
           <a:prstGeom prst="rect">
@@ -4292,8 +4292,8 @@
         </p:nvCxnSpPr>
         <p:spPr>
           <a:xfrm flipV="1">
-            <a:off x="2555699" y="3332913"/>
-            <a:ext cx="1494793" cy="1640346"/>
+            <a:off x="2289755" y="3332913"/>
+            <a:ext cx="1760737" cy="1129850"/>
           </a:xfrm>
           <a:prstGeom prst="bentConnector3">
             <a:avLst>
@@ -4486,7 +4486,7 @@
         </p:nvSpPr>
         <p:spPr>
           <a:xfrm>
-            <a:off x="432303" y="3328381"/>
+            <a:off x="166359" y="2817885"/>
             <a:ext cx="2661306" cy="759582"/>
           </a:xfrm>
           <a:prstGeom prst="wedgeRectCallout">
@@ -4639,6 +4639,113 @@
                 <a:schemeClr val="tx1"/>
               </a:solidFill>
             </a:endParaRPr>
+          </a:p>
+        </p:txBody>
+      </p:sp>
+      <p:pic>
+        <p:nvPicPr>
+          <p:cNvPr id="26" name="図 25">
+            <a:extLst>
+              <a:ext uri="{FF2B5EF4-FFF2-40B4-BE49-F238E27FC236}">
+                <a16:creationId xmlns:a16="http://schemas.microsoft.com/office/drawing/2014/main" id="{1364EA16-E053-4D2F-8219-79666D6362D5}"/>
+              </a:ext>
+            </a:extLst>
+          </p:cNvPr>
+          <p:cNvPicPr>
+            <a:picLocks noChangeAspect="1"/>
+          </p:cNvPicPr>
+          <p:nvPr/>
+        </p:nvPicPr>
+        <p:blipFill>
+          <a:blip r:embed="rId2"/>
+          <a:stretch>
+            <a:fillRect/>
+          </a:stretch>
+        </p:blipFill>
+        <p:spPr>
+          <a:xfrm>
+            <a:off x="3208257" y="4855976"/>
+            <a:ext cx="890522" cy="993508"/>
+          </a:xfrm>
+          <a:prstGeom prst="rect">
+            <a:avLst/>
+          </a:prstGeom>
+        </p:spPr>
+      </p:pic>
+      <p:cxnSp>
+        <p:nvCxnSpPr>
+          <p:cNvPr id="28" name="コネクタ: カギ線 27">
+            <a:extLst>
+              <a:ext uri="{FF2B5EF4-FFF2-40B4-BE49-F238E27FC236}">
+                <a16:creationId xmlns:a16="http://schemas.microsoft.com/office/drawing/2014/main" id="{71EF5585-DBEA-4FC4-AAEF-C8263DC20F7F}"/>
+              </a:ext>
+            </a:extLst>
+          </p:cNvPr>
+          <p:cNvCxnSpPr>
+            <a:cxnSpLocks/>
+            <a:stCxn id="26" idx="0"/>
+            <a:endCxn id="20" idx="2"/>
+          </p:cNvCxnSpPr>
+          <p:nvPr/>
+        </p:nvCxnSpPr>
+        <p:spPr>
+          <a:xfrm rot="5400000" flipH="1" flipV="1">
+            <a:off x="3090474" y="3895958"/>
+            <a:ext cx="1523063" cy="396974"/>
+          </a:xfrm>
+          <a:prstGeom prst="bentConnector2">
+            <a:avLst/>
+          </a:prstGeom>
+          <a:ln w="38100"/>
+        </p:spPr>
+        <p:style>
+          <a:lnRef idx="1">
+            <a:schemeClr val="accent1"/>
+          </a:lnRef>
+          <a:fillRef idx="0">
+            <a:schemeClr val="accent1"/>
+          </a:fillRef>
+          <a:effectRef idx="0">
+            <a:schemeClr val="accent1"/>
+          </a:effectRef>
+          <a:fontRef idx="minor">
+            <a:schemeClr val="tx1"/>
+          </a:fontRef>
+        </p:style>
+      </p:cxnSp>
+      <p:sp>
+        <p:nvSpPr>
+          <p:cNvPr id="32" name="テキスト ボックス 31">
+            <a:extLst>
+              <a:ext uri="{FF2B5EF4-FFF2-40B4-BE49-F238E27FC236}">
+                <a16:creationId xmlns:a16="http://schemas.microsoft.com/office/drawing/2014/main" id="{820C71AB-4B0E-41D1-BFAD-2435ECE18177}"/>
+              </a:ext>
+            </a:extLst>
+          </p:cNvPr>
+          <p:cNvSpPr txBox="1"/>
+          <p:nvPr/>
+        </p:nvSpPr>
+        <p:spPr>
+          <a:xfrm>
+            <a:off x="2999126" y="5942729"/>
+            <a:ext cx="1391728" cy="369332"/>
+          </a:xfrm>
+          <a:prstGeom prst="rect">
+            <a:avLst/>
+          </a:prstGeom>
+          <a:noFill/>
+        </p:spPr>
+        <p:txBody>
+          <a:bodyPr wrap="none" rtlCol="0">
+            <a:spAutoFit/>
+          </a:bodyPr>
+          <a:lstStyle/>
+          <a:p>
+            <a:r>
+              <a:rPr lang="en-US" altLang="ja-JP" dirty="0"/>
+              <a:t>Mail Server</a:t>
+            </a:r>
+            <a:endParaRPr kumimoji="1" lang="ja-JP" altLang="en-US" dirty="0"/>
           </a:p>
         </p:txBody>
       </p:sp>
